--- a/February 22/turzo_20166012.pptx
+++ b/February 22/turzo_20166012.pptx
@@ -5,7 +5,7 @@
     <p:sldMasterId id="2147483648" r:id="rId1"/>
   </p:sldMasterIdLst>
   <p:notesMasterIdLst>
-    <p:notesMasterId r:id="rId38"/>
+    <p:notesMasterId r:id="rId41"/>
   </p:notesMasterIdLst>
   <p:sldIdLst>
     <p:sldId id="256" r:id="rId2"/>
@@ -44,6 +44,9 @@
     <p:sldId id="264" r:id="rId35"/>
     <p:sldId id="265" r:id="rId36"/>
     <p:sldId id="291" r:id="rId37"/>
+    <p:sldId id="294" r:id="rId38"/>
+    <p:sldId id="295" r:id="rId39"/>
+    <p:sldId id="296" r:id="rId40"/>
   </p:sldIdLst>
   <p:sldSz cx="12192000" cy="6858000"/>
   <p:notesSz cx="6858000" cy="9144000"/>
@@ -10482,6 +10485,450 @@
     <p:extLst>
       <p:ext uri="{BB962C8B-B14F-4D97-AF65-F5344CB8AC3E}">
         <p14:creationId xmlns:p14="http://schemas.microsoft.com/office/powerpoint/2010/main" val="1032476163"/>
+      </p:ext>
+    </p:extLst>
+  </p:cSld>
+  <p:clrMapOvr>
+    <a:masterClrMapping/>
+  </p:clrMapOvr>
+</p:sld>
+</file>
+
+<file path=ppt/slides/slide37.xml><?xml version="1.0" encoding="utf-8"?>
+<p:sld xmlns:a="http://schemas.openxmlformats.org/drawingml/2006/main" xmlns:r="http://schemas.openxmlformats.org/officeDocument/2006/relationships" xmlns:p="http://schemas.openxmlformats.org/presentationml/2006/main">
+  <p:cSld>
+    <p:spTree>
+      <p:nvGrpSpPr>
+        <p:cNvPr id="1" name=""/>
+        <p:cNvGrpSpPr/>
+        <p:nvPr/>
+      </p:nvGrpSpPr>
+      <p:grpSpPr>
+        <a:xfrm>
+          <a:off x="0" y="0"/>
+          <a:ext cx="0" cy="0"/>
+          <a:chOff x="0" y="0"/>
+          <a:chExt cx="0" cy="0"/>
+        </a:xfrm>
+      </p:grpSpPr>
+      <p:sp>
+        <p:nvSpPr>
+          <p:cNvPr id="2" name="Title 1">
+            <a:extLst>
+              <a:ext uri="{FF2B5EF4-FFF2-40B4-BE49-F238E27FC236}">
+                <a16:creationId xmlns:a16="http://schemas.microsoft.com/office/drawing/2014/main" id="{2C95174C-0E20-418F-894F-C2120599328E}"/>
+              </a:ext>
+            </a:extLst>
+          </p:cNvPr>
+          <p:cNvSpPr>
+            <a:spLocks noGrp="1"/>
+          </p:cNvSpPr>
+          <p:nvPr>
+            <p:ph type="title"/>
+          </p:nvPr>
+        </p:nvSpPr>
+        <p:spPr/>
+        <p:txBody>
+          <a:bodyPr/>
+          <a:lstStyle/>
+          <a:p>
+            <a:r>
+              <a:rPr lang="en-US" dirty="0"/>
+              <a:t>Spacy further explored</a:t>
+            </a:r>
+          </a:p>
+        </p:txBody>
+      </p:sp>
+      <p:pic>
+        <p:nvPicPr>
+          <p:cNvPr id="6" name="Content Placeholder 5">
+            <a:extLst>
+              <a:ext uri="{FF2B5EF4-FFF2-40B4-BE49-F238E27FC236}">
+                <a16:creationId xmlns:a16="http://schemas.microsoft.com/office/drawing/2014/main" id="{50C82C67-6F91-4B4F-81D1-AFFFE8EE73F0}"/>
+              </a:ext>
+            </a:extLst>
+          </p:cNvPr>
+          <p:cNvPicPr>
+            <a:picLocks noGrp="1" noChangeAspect="1"/>
+          </p:cNvPicPr>
+          <p:nvPr>
+            <p:ph idx="1"/>
+          </p:nvPr>
+        </p:nvPicPr>
+        <p:blipFill>
+          <a:blip r:embed="rId2"/>
+          <a:stretch>
+            <a:fillRect/>
+          </a:stretch>
+        </p:blipFill>
+        <p:spPr>
+          <a:xfrm>
+            <a:off x="838200" y="1315753"/>
+            <a:ext cx="9133098" cy="5040597"/>
+          </a:xfrm>
+          <a:prstGeom prst="rect">
+            <a:avLst/>
+          </a:prstGeom>
+        </p:spPr>
+      </p:pic>
+      <p:sp>
+        <p:nvSpPr>
+          <p:cNvPr id="4" name="Date Placeholder 3">
+            <a:extLst>
+              <a:ext uri="{FF2B5EF4-FFF2-40B4-BE49-F238E27FC236}">
+                <a16:creationId xmlns:a16="http://schemas.microsoft.com/office/drawing/2014/main" id="{94B37A11-A857-4AE6-B72B-3D9FF56D74A0}"/>
+              </a:ext>
+            </a:extLst>
+          </p:cNvPr>
+          <p:cNvSpPr>
+            <a:spLocks noGrp="1"/>
+          </p:cNvSpPr>
+          <p:nvPr>
+            <p:ph type="dt" sz="half" idx="10"/>
+          </p:nvPr>
+        </p:nvSpPr>
+        <p:spPr/>
+        <p:txBody>
+          <a:bodyPr/>
+          <a:lstStyle/>
+          <a:p>
+            <a:fld id="{EB572143-320E-49A9-9BD9-1254ECDCB3AE}" type="datetime2">
+              <a:rPr lang="en-US" smtClean="0"/>
+              <a:t>Friday, February 28, 2020</a:t>
+            </a:fld>
+            <a:endParaRPr lang="en-US"/>
+          </a:p>
+        </p:txBody>
+      </p:sp>
+      <p:sp>
+        <p:nvSpPr>
+          <p:cNvPr id="5" name="Slide Number Placeholder 4">
+            <a:extLst>
+              <a:ext uri="{FF2B5EF4-FFF2-40B4-BE49-F238E27FC236}">
+                <a16:creationId xmlns:a16="http://schemas.microsoft.com/office/drawing/2014/main" id="{89B9A1CF-A60D-4ABA-B03D-9E41C7F3F15B}"/>
+              </a:ext>
+            </a:extLst>
+          </p:cNvPr>
+          <p:cNvSpPr>
+            <a:spLocks noGrp="1"/>
+          </p:cNvSpPr>
+          <p:nvPr>
+            <p:ph type="sldNum" sz="quarter" idx="12"/>
+          </p:nvPr>
+        </p:nvSpPr>
+        <p:spPr/>
+        <p:txBody>
+          <a:bodyPr/>
+          <a:lstStyle/>
+          <a:p>
+            <a:fld id="{2F5ABB34-25CA-4932-915D-1E100FDBA33C}" type="slidenum">
+              <a:rPr lang="en-US" smtClean="0"/>
+              <a:t>37</a:t>
+            </a:fld>
+            <a:endParaRPr lang="en-US"/>
+          </a:p>
+        </p:txBody>
+      </p:sp>
+    </p:spTree>
+    <p:extLst>
+      <p:ext uri="{BB962C8B-B14F-4D97-AF65-F5344CB8AC3E}">
+        <p14:creationId xmlns:p14="http://schemas.microsoft.com/office/powerpoint/2010/main" val="2108179374"/>
+      </p:ext>
+    </p:extLst>
+  </p:cSld>
+  <p:clrMapOvr>
+    <a:masterClrMapping/>
+  </p:clrMapOvr>
+</p:sld>
+</file>
+
+<file path=ppt/slides/slide38.xml><?xml version="1.0" encoding="utf-8"?>
+<p:sld xmlns:a="http://schemas.openxmlformats.org/drawingml/2006/main" xmlns:r="http://schemas.openxmlformats.org/officeDocument/2006/relationships" xmlns:p="http://schemas.openxmlformats.org/presentationml/2006/main">
+  <p:cSld>
+    <p:spTree>
+      <p:nvGrpSpPr>
+        <p:cNvPr id="1" name=""/>
+        <p:cNvGrpSpPr/>
+        <p:nvPr/>
+      </p:nvGrpSpPr>
+      <p:grpSpPr>
+        <a:xfrm>
+          <a:off x="0" y="0"/>
+          <a:ext cx="0" cy="0"/>
+          <a:chOff x="0" y="0"/>
+          <a:chExt cx="0" cy="0"/>
+        </a:xfrm>
+      </p:grpSpPr>
+      <p:sp>
+        <p:nvSpPr>
+          <p:cNvPr id="2" name="Title 1">
+            <a:extLst>
+              <a:ext uri="{FF2B5EF4-FFF2-40B4-BE49-F238E27FC236}">
+                <a16:creationId xmlns:a16="http://schemas.microsoft.com/office/drawing/2014/main" id="{37B12719-5A81-4C90-8403-B5ED4A17633A}"/>
+              </a:ext>
+            </a:extLst>
+          </p:cNvPr>
+          <p:cNvSpPr>
+            <a:spLocks noGrp="1"/>
+          </p:cNvSpPr>
+          <p:nvPr>
+            <p:ph type="title"/>
+          </p:nvPr>
+        </p:nvSpPr>
+        <p:spPr/>
+        <p:txBody>
+          <a:bodyPr/>
+          <a:lstStyle/>
+          <a:p>
+            <a:r>
+              <a:rPr lang="en-US" dirty="0"/>
+              <a:t>Spacy further explored</a:t>
+            </a:r>
+          </a:p>
+        </p:txBody>
+      </p:sp>
+      <p:sp>
+        <p:nvSpPr>
+          <p:cNvPr id="4" name="Date Placeholder 3">
+            <a:extLst>
+              <a:ext uri="{FF2B5EF4-FFF2-40B4-BE49-F238E27FC236}">
+                <a16:creationId xmlns:a16="http://schemas.microsoft.com/office/drawing/2014/main" id="{6403B151-530F-4DEF-A1E5-980FEBA207D5}"/>
+              </a:ext>
+            </a:extLst>
+          </p:cNvPr>
+          <p:cNvSpPr>
+            <a:spLocks noGrp="1"/>
+          </p:cNvSpPr>
+          <p:nvPr>
+            <p:ph type="dt" sz="half" idx="10"/>
+          </p:nvPr>
+        </p:nvSpPr>
+        <p:spPr/>
+        <p:txBody>
+          <a:bodyPr/>
+          <a:lstStyle/>
+          <a:p>
+            <a:fld id="{EB572143-320E-49A9-9BD9-1254ECDCB3AE}" type="datetime2">
+              <a:rPr lang="en-US" smtClean="0"/>
+              <a:t>Friday, February 28, 2020</a:t>
+            </a:fld>
+            <a:endParaRPr lang="en-US"/>
+          </a:p>
+        </p:txBody>
+      </p:sp>
+      <p:sp>
+        <p:nvSpPr>
+          <p:cNvPr id="5" name="Slide Number Placeholder 4">
+            <a:extLst>
+              <a:ext uri="{FF2B5EF4-FFF2-40B4-BE49-F238E27FC236}">
+                <a16:creationId xmlns:a16="http://schemas.microsoft.com/office/drawing/2014/main" id="{23395679-1A32-4058-8561-B96EAA45AF2D}"/>
+              </a:ext>
+            </a:extLst>
+          </p:cNvPr>
+          <p:cNvSpPr>
+            <a:spLocks noGrp="1"/>
+          </p:cNvSpPr>
+          <p:nvPr>
+            <p:ph type="sldNum" sz="quarter" idx="12"/>
+          </p:nvPr>
+        </p:nvSpPr>
+        <p:spPr/>
+        <p:txBody>
+          <a:bodyPr/>
+          <a:lstStyle/>
+          <a:p>
+            <a:fld id="{2F5ABB34-25CA-4932-915D-1E100FDBA33C}" type="slidenum">
+              <a:rPr lang="en-US" smtClean="0"/>
+              <a:t>38</a:t>
+            </a:fld>
+            <a:endParaRPr lang="en-US"/>
+          </a:p>
+        </p:txBody>
+      </p:sp>
+      <p:pic>
+        <p:nvPicPr>
+          <p:cNvPr id="10" name="Content Placeholder 9">
+            <a:extLst>
+              <a:ext uri="{FF2B5EF4-FFF2-40B4-BE49-F238E27FC236}">
+                <a16:creationId xmlns:a16="http://schemas.microsoft.com/office/drawing/2014/main" id="{486FBCF9-0916-49FF-8B4B-6327EDE5005A}"/>
+              </a:ext>
+            </a:extLst>
+          </p:cNvPr>
+          <p:cNvPicPr>
+            <a:picLocks noGrp="1" noChangeAspect="1"/>
+          </p:cNvPicPr>
+          <p:nvPr>
+            <p:ph idx="1"/>
+          </p:nvPr>
+        </p:nvPicPr>
+        <p:blipFill>
+          <a:blip r:embed="rId2"/>
+          <a:stretch>
+            <a:fillRect/>
+          </a:stretch>
+        </p:blipFill>
+        <p:spPr>
+          <a:xfrm>
+            <a:off x="3019508" y="1287130"/>
+            <a:ext cx="6152985" cy="5069220"/>
+          </a:xfrm>
+          <a:prstGeom prst="rect">
+            <a:avLst/>
+          </a:prstGeom>
+        </p:spPr>
+      </p:pic>
+    </p:spTree>
+    <p:extLst>
+      <p:ext uri="{BB962C8B-B14F-4D97-AF65-F5344CB8AC3E}">
+        <p14:creationId xmlns:p14="http://schemas.microsoft.com/office/powerpoint/2010/main" val="325131458"/>
+      </p:ext>
+    </p:extLst>
+  </p:cSld>
+  <p:clrMapOvr>
+    <a:masterClrMapping/>
+  </p:clrMapOvr>
+</p:sld>
+</file>
+
+<file path=ppt/slides/slide39.xml><?xml version="1.0" encoding="utf-8"?>
+<p:sld xmlns:a="http://schemas.openxmlformats.org/drawingml/2006/main" xmlns:r="http://schemas.openxmlformats.org/officeDocument/2006/relationships" xmlns:p="http://schemas.openxmlformats.org/presentationml/2006/main">
+  <p:cSld>
+    <p:spTree>
+      <p:nvGrpSpPr>
+        <p:cNvPr id="1" name=""/>
+        <p:cNvGrpSpPr/>
+        <p:nvPr/>
+      </p:nvGrpSpPr>
+      <p:grpSpPr>
+        <a:xfrm>
+          <a:off x="0" y="0"/>
+          <a:ext cx="0" cy="0"/>
+          <a:chOff x="0" y="0"/>
+          <a:chExt cx="0" cy="0"/>
+        </a:xfrm>
+      </p:grpSpPr>
+      <p:sp>
+        <p:nvSpPr>
+          <p:cNvPr id="2" name="Title 1">
+            <a:extLst>
+              <a:ext uri="{FF2B5EF4-FFF2-40B4-BE49-F238E27FC236}">
+                <a16:creationId xmlns:a16="http://schemas.microsoft.com/office/drawing/2014/main" id="{06E0F8A8-0FE2-404D-AA96-B8495F32F193}"/>
+              </a:ext>
+            </a:extLst>
+          </p:cNvPr>
+          <p:cNvSpPr>
+            <a:spLocks noGrp="1"/>
+          </p:cNvSpPr>
+          <p:nvPr>
+            <p:ph type="title"/>
+          </p:nvPr>
+        </p:nvSpPr>
+        <p:spPr/>
+        <p:txBody>
+          <a:bodyPr/>
+          <a:lstStyle/>
+          <a:p>
+            <a:r>
+              <a:rPr lang="en-US" dirty="0"/>
+              <a:t>Spacy further explored</a:t>
+            </a:r>
+          </a:p>
+        </p:txBody>
+      </p:sp>
+      <p:pic>
+        <p:nvPicPr>
+          <p:cNvPr id="6" name="Content Placeholder 5">
+            <a:extLst>
+              <a:ext uri="{FF2B5EF4-FFF2-40B4-BE49-F238E27FC236}">
+                <a16:creationId xmlns:a16="http://schemas.microsoft.com/office/drawing/2014/main" id="{BC1B3C74-E7D2-443E-A383-322B21B8F1DE}"/>
+              </a:ext>
+            </a:extLst>
+          </p:cNvPr>
+          <p:cNvPicPr>
+            <a:picLocks noGrp="1" noChangeAspect="1"/>
+          </p:cNvPicPr>
+          <p:nvPr>
+            <p:ph idx="1"/>
+          </p:nvPr>
+        </p:nvPicPr>
+        <p:blipFill>
+          <a:blip r:embed="rId2"/>
+          <a:stretch>
+            <a:fillRect/>
+          </a:stretch>
+        </p:blipFill>
+        <p:spPr>
+          <a:xfrm>
+            <a:off x="1551941" y="2191291"/>
+            <a:ext cx="9088118" cy="3620005"/>
+          </a:xfrm>
+          <a:prstGeom prst="rect">
+            <a:avLst/>
+          </a:prstGeom>
+        </p:spPr>
+      </p:pic>
+      <p:sp>
+        <p:nvSpPr>
+          <p:cNvPr id="4" name="Date Placeholder 3">
+            <a:extLst>
+              <a:ext uri="{FF2B5EF4-FFF2-40B4-BE49-F238E27FC236}">
+                <a16:creationId xmlns:a16="http://schemas.microsoft.com/office/drawing/2014/main" id="{F2BBC73C-7B76-4A46-99C2-FFBC35AF61BE}"/>
+              </a:ext>
+            </a:extLst>
+          </p:cNvPr>
+          <p:cNvSpPr>
+            <a:spLocks noGrp="1"/>
+          </p:cNvSpPr>
+          <p:nvPr>
+            <p:ph type="dt" sz="half" idx="10"/>
+          </p:nvPr>
+        </p:nvSpPr>
+        <p:spPr/>
+        <p:txBody>
+          <a:bodyPr/>
+          <a:lstStyle/>
+          <a:p>
+            <a:fld id="{EB572143-320E-49A9-9BD9-1254ECDCB3AE}" type="datetime2">
+              <a:rPr lang="en-US" smtClean="0"/>
+              <a:t>Friday, February 28, 2020</a:t>
+            </a:fld>
+            <a:endParaRPr lang="en-US"/>
+          </a:p>
+        </p:txBody>
+      </p:sp>
+      <p:sp>
+        <p:nvSpPr>
+          <p:cNvPr id="5" name="Slide Number Placeholder 4">
+            <a:extLst>
+              <a:ext uri="{FF2B5EF4-FFF2-40B4-BE49-F238E27FC236}">
+                <a16:creationId xmlns:a16="http://schemas.microsoft.com/office/drawing/2014/main" id="{E0B7D187-020C-4708-9821-F7AED5B2AB6F}"/>
+              </a:ext>
+            </a:extLst>
+          </p:cNvPr>
+          <p:cNvSpPr>
+            <a:spLocks noGrp="1"/>
+          </p:cNvSpPr>
+          <p:nvPr>
+            <p:ph type="sldNum" sz="quarter" idx="12"/>
+          </p:nvPr>
+        </p:nvSpPr>
+        <p:spPr/>
+        <p:txBody>
+          <a:bodyPr/>
+          <a:lstStyle/>
+          <a:p>
+            <a:fld id="{2F5ABB34-25CA-4932-915D-1E100FDBA33C}" type="slidenum">
+              <a:rPr lang="en-US" smtClean="0"/>
+              <a:t>39</a:t>
+            </a:fld>
+            <a:endParaRPr lang="en-US"/>
+          </a:p>
+        </p:txBody>
+      </p:sp>
+    </p:spTree>
+    <p:extLst>
+      <p:ext uri="{BB962C8B-B14F-4D97-AF65-F5344CB8AC3E}">
+        <p14:creationId xmlns:p14="http://schemas.microsoft.com/office/powerpoint/2010/main" val="545744777"/>
       </p:ext>
     </p:extLst>
   </p:cSld>
